--- a/Automated check Processing.pptx
+++ b/Automated check Processing.pptx
@@ -7,7 +7,7 @@
   <p:sldIdLst>
     <p:sldId id="256" r:id="rId3"/>
     <p:sldId id="257" r:id="rId4"/>
-    <p:sldId id="258" r:id="rId5"/>
+    <p:sldId id="259" r:id="rId5"/>
   </p:sldIdLst>
   <p:sldSz cx="12192000" cy="6858000"/>
   <p:notesSz cx="6858000" cy="9144000"/>
@@ -2961,7 +2961,21 @@
           <a:bodyPr/>
           <a:lstStyle/>
           <a:p>
-            <a:endParaRPr lang="en-US"/>
+            <a:r>
+              <a:rPr lang="en-GB" altLang="en-US"/>
+              <a:t>Submitted by</a:t>
+            </a:r>
+            <a:endParaRPr lang="en-GB" altLang="en-US"/>
+          </a:p>
+          <a:p>
+            <a:r>
+              <a:rPr lang="en-GB" altLang="en-US"/>
+              <a:t>Sivakumar Sankararaman</a:t>
+            </a:r>
+            <a:endParaRPr lang="en-GB" altLang="en-US"/>
+          </a:p>
+          <a:p>
+            <a:endParaRPr lang="en-GB" altLang="en-US"/>
           </a:p>
         </p:txBody>
       </p:sp>
@@ -2996,66 +3010,86 @@
         <p:spPr>
           <a:xfrm>
             <a:off x="1171575" y="800735"/>
-            <a:ext cx="9355455" cy="2237740"/>
+            <a:ext cx="9575800" cy="3784600"/>
           </a:xfrm>
         </p:spPr>
         <p:txBody>
           <a:bodyPr>
-            <a:normAutofit fontScale="90000" lnSpcReduction="20000"/>
+            <a:normAutofit fontScale="40000"/>
           </a:bodyPr>
           <a:p>
             <a:r>
-              <a:rPr lang="en-GB" altLang="en-US" b="1"/>
-              <a:t>Objective </a:t>
+              <a:rPr lang="en-GB" altLang="en-US" sz="4500" b="1"/>
+              <a:t>The Objective </a:t>
             </a:r>
             <a:endParaRPr lang="en-GB" altLang="en-US"/>
           </a:p>
           <a:p>
             <a:pPr algn="l"/>
             <a:r>
-              <a:rPr lang="en-GB" altLang="en-US"/>
-              <a:t>Our understaing of prcess</a:t>
-            </a:r>
-            <a:endParaRPr lang="en-GB" altLang="en-US"/>
+              <a:rPr lang="en-GB" altLang="en-US" sz="4665"/>
+              <a:t>Our understaing of requirements are:</a:t>
+            </a:r>
+            <a:endParaRPr lang="en-GB" altLang="en-US" sz="4665"/>
           </a:p>
           <a:p>
             <a:pPr algn="l"/>
             <a:r>
-              <a:rPr lang="en-GB" altLang="en-US"/>
+              <a:rPr lang="en-GB" altLang="en-US" sz="4665"/>
               <a:t>To create an automated check processing which helps to </a:t>
             </a:r>
-            <a:endParaRPr lang="en-GB" altLang="en-US"/>
+            <a:endParaRPr lang="en-GB" altLang="en-US" sz="4665"/>
           </a:p>
           <a:p>
             <a:pPr lvl="1" algn="l"/>
             <a:r>
-              <a:rPr lang="en-GB" altLang="en-US"/>
+              <a:rPr lang="en-GB" altLang="en-US" sz="4665"/>
               <a:t>1. Verify signature</a:t>
             </a:r>
-            <a:endParaRPr lang="en-GB" altLang="en-US"/>
+            <a:endParaRPr lang="en-GB" altLang="en-US" sz="4665"/>
           </a:p>
           <a:p>
             <a:pPr lvl="1" algn="l"/>
             <a:r>
-              <a:rPr lang="en-GB" altLang="en-US"/>
+              <a:rPr lang="en-GB" altLang="en-US" sz="4665"/>
               <a:t>2. Using optical character recognization, converts amount, receiver and automates </a:t>
             </a:r>
-            <a:endParaRPr lang="en-GB" altLang="en-US"/>
+            <a:endParaRPr lang="en-GB" altLang="en-US" sz="4665"/>
           </a:p>
           <a:p>
             <a:pPr lvl="1" algn="l"/>
             <a:r>
-              <a:rPr lang="en-GB" altLang="en-US"/>
+              <a:rPr lang="en-GB" altLang="en-US" sz="4665"/>
               <a:t>data entry in journal</a:t>
             </a:r>
-            <a:endParaRPr lang="en-GB" altLang="en-US"/>
+            <a:endParaRPr lang="en-GB" altLang="en-US" sz="4665"/>
           </a:p>
           <a:p>
             <a:pPr lvl="1" algn="l"/>
             <a:r>
-              <a:rPr lang="en-GB" altLang="en-US"/>
-              <a:t>3. Using Machine learning and artifical intelligence </a:t>
-            </a:r>
+              <a:rPr lang="en-GB" altLang="en-US" sz="4665"/>
+              <a:t>3. Using Machine learning and artifical intelligence, OCR automate clearing process</a:t>
+            </a:r>
+            <a:endParaRPr lang="en-GB" altLang="en-US" sz="4665"/>
+          </a:p>
+          <a:p>
+            <a:pPr lvl="1" algn="l"/>
+            <a:r>
+              <a:rPr lang="en-GB" altLang="en-US" sz="4665"/>
+              <a:t>4. Automatic Data Entry </a:t>
+            </a:r>
+            <a:endParaRPr lang="en-GB" altLang="en-US" sz="4665"/>
+          </a:p>
+          <a:p>
+            <a:pPr lvl="1" algn="l"/>
+            <a:r>
+              <a:rPr lang="en-GB" altLang="en-US" sz="4665"/>
+              <a:t>5. Fraud detection to identify fradulent cheques</a:t>
+            </a:r>
+            <a:endParaRPr lang="en-GB" altLang="en-US" sz="4665"/>
+          </a:p>
+          <a:p>
+            <a:pPr lvl="1" algn="l"/>
             <a:endParaRPr lang="en-GB" altLang="en-US"/>
           </a:p>
           <a:p>
@@ -3093,8 +3127,8 @@
         </p:nvSpPr>
         <p:spPr>
           <a:xfrm>
-            <a:off x="1171575" y="800735"/>
-            <a:ext cx="9355455" cy="2237740"/>
+            <a:off x="149860" y="329565"/>
+            <a:ext cx="11854180" cy="5887720"/>
           </a:xfrm>
         </p:spPr>
         <p:txBody>
@@ -3103,24 +3137,20 @@
           </a:bodyPr>
           <a:p>
             <a:r>
-              <a:rPr lang="en-GB" altLang="en-US" b="1"/>
-              <a:t>Objective </a:t>
-            </a:r>
-            <a:endParaRPr lang="en-GB" altLang="en-US" b="1"/>
+              <a:rPr lang="en-GB" altLang="en-US"/>
+              <a:t>The solution</a:t>
+            </a:r>
+            <a:endParaRPr lang="en-GB" altLang="en-US"/>
           </a:p>
           <a:p>
             <a:pPr algn="l"/>
-            <a:r>
-              <a:rPr lang="en-GB" altLang="en-US"/>
-              <a:t>Process Flow</a:t>
-            </a:r>
             <a:endParaRPr lang="en-GB" altLang="en-US"/>
           </a:p>
         </p:txBody>
       </p:sp>
       <p:pic>
         <p:nvPicPr>
-          <p:cNvPr id="5" name="Picture 4" descr="Automated Check Processing Archieture and flow"/>
+          <p:cNvPr id="4" name="Picture 3" descr="Automated Check Processing Archieture and flow"/>
           <p:cNvPicPr>
             <a:picLocks noChangeAspect="1"/>
           </p:cNvPicPr>
@@ -3134,14 +3164,339 @@
         </p:blipFill>
         <p:spPr>
           <a:xfrm>
-            <a:off x="1617345" y="1978660"/>
-            <a:ext cx="9147175" cy="3903345"/>
+            <a:off x="4618990" y="972185"/>
+            <a:ext cx="7385050" cy="4471670"/>
           </a:xfrm>
           <a:prstGeom prst="rect">
             <a:avLst/>
           </a:prstGeom>
         </p:spPr>
       </p:pic>
+      <p:sp>
+        <p:nvSpPr>
+          <p:cNvPr id="8" name="Subtitle 2"/>
+          <p:cNvSpPr>
+            <a:spLocks noGrp="1"/>
+          </p:cNvSpPr>
+          <p:nvPr/>
+        </p:nvSpPr>
+        <p:spPr>
+          <a:xfrm>
+            <a:off x="149860" y="174625"/>
+            <a:ext cx="4310380" cy="6509385"/>
+          </a:xfrm>
+          <a:prstGeom prst="rect">
+            <a:avLst/>
+          </a:prstGeom>
+        </p:spPr>
+        <p:txBody>
+          <a:bodyPr vert="horz" lIns="91440" tIns="45720" rIns="91440" bIns="45720" rtlCol="0">
+            <a:normAutofit fontScale="25000"/>
+          </a:bodyPr>
+          <a:lstStyle>
+            <a:lvl1pPr marL="0" indent="0" algn="ctr" defTabSz="914400" rtl="0" eaLnBrk="1" latinLnBrk="0" hangingPunct="1">
+              <a:lnSpc>
+                <a:spcPct val="90000"/>
+              </a:lnSpc>
+              <a:spcBef>
+                <a:spcPts val="1000"/>
+              </a:spcBef>
+              <a:buFont typeface="Arial" panose="020B0604020202020204" pitchFamily="34" charset="0"/>
+              <a:buNone/>
+              <a:defRPr sz="2400" kern="1200">
+                <a:solidFill>
+                  <a:schemeClr val="tx1"/>
+                </a:solidFill>
+                <a:latin typeface="+mn-lt"/>
+                <a:ea typeface="+mn-ea"/>
+                <a:cs typeface="+mn-cs"/>
+              </a:defRPr>
+            </a:lvl1pPr>
+            <a:lvl2pPr marL="457200" indent="0" algn="ctr" defTabSz="914400" rtl="0" eaLnBrk="1" latinLnBrk="0" hangingPunct="1">
+              <a:lnSpc>
+                <a:spcPct val="90000"/>
+              </a:lnSpc>
+              <a:spcBef>
+                <a:spcPts val="500"/>
+              </a:spcBef>
+              <a:buFont typeface="Arial" panose="020B0604020202020204" pitchFamily="34" charset="0"/>
+              <a:buNone/>
+              <a:defRPr sz="2000" kern="1200">
+                <a:solidFill>
+                  <a:schemeClr val="tx1"/>
+                </a:solidFill>
+                <a:latin typeface="+mn-lt"/>
+                <a:ea typeface="+mn-ea"/>
+                <a:cs typeface="+mn-cs"/>
+              </a:defRPr>
+            </a:lvl2pPr>
+            <a:lvl3pPr marL="914400" indent="0" algn="ctr" defTabSz="914400" rtl="0" eaLnBrk="1" latinLnBrk="0" hangingPunct="1">
+              <a:lnSpc>
+                <a:spcPct val="90000"/>
+              </a:lnSpc>
+              <a:spcBef>
+                <a:spcPts val="500"/>
+              </a:spcBef>
+              <a:buFont typeface="Arial" panose="020B0604020202020204" pitchFamily="34" charset="0"/>
+              <a:buNone/>
+              <a:defRPr sz="1800" kern="1200">
+                <a:solidFill>
+                  <a:schemeClr val="tx1"/>
+                </a:solidFill>
+                <a:latin typeface="+mn-lt"/>
+                <a:ea typeface="+mn-ea"/>
+                <a:cs typeface="+mn-cs"/>
+              </a:defRPr>
+            </a:lvl3pPr>
+            <a:lvl4pPr marL="1371600" indent="0" algn="ctr" defTabSz="914400" rtl="0" eaLnBrk="1" latinLnBrk="0" hangingPunct="1">
+              <a:lnSpc>
+                <a:spcPct val="90000"/>
+              </a:lnSpc>
+              <a:spcBef>
+                <a:spcPts val="500"/>
+              </a:spcBef>
+              <a:buFont typeface="Arial" panose="020B0604020202020204" pitchFamily="34" charset="0"/>
+              <a:buNone/>
+              <a:defRPr sz="1600" kern="1200">
+                <a:solidFill>
+                  <a:schemeClr val="tx1"/>
+                </a:solidFill>
+                <a:latin typeface="+mn-lt"/>
+                <a:ea typeface="+mn-ea"/>
+                <a:cs typeface="+mn-cs"/>
+              </a:defRPr>
+            </a:lvl4pPr>
+            <a:lvl5pPr marL="1828800" indent="0" algn="ctr" defTabSz="914400" rtl="0" eaLnBrk="1" latinLnBrk="0" hangingPunct="1">
+              <a:lnSpc>
+                <a:spcPct val="90000"/>
+              </a:lnSpc>
+              <a:spcBef>
+                <a:spcPts val="500"/>
+              </a:spcBef>
+              <a:buFont typeface="Arial" panose="020B0604020202020204" pitchFamily="34" charset="0"/>
+              <a:buNone/>
+              <a:defRPr sz="1600" kern="1200">
+                <a:solidFill>
+                  <a:schemeClr val="tx1"/>
+                </a:solidFill>
+                <a:latin typeface="+mn-lt"/>
+                <a:ea typeface="+mn-ea"/>
+                <a:cs typeface="+mn-cs"/>
+              </a:defRPr>
+            </a:lvl5pPr>
+            <a:lvl6pPr marL="2286000" indent="0" algn="ctr" defTabSz="914400" rtl="0" eaLnBrk="1" latinLnBrk="0" hangingPunct="1">
+              <a:lnSpc>
+                <a:spcPct val="90000"/>
+              </a:lnSpc>
+              <a:spcBef>
+                <a:spcPts val="500"/>
+              </a:spcBef>
+              <a:buFont typeface="Arial" panose="020B0604020202020204" pitchFamily="34" charset="0"/>
+              <a:buNone/>
+              <a:defRPr sz="1600" kern="1200">
+                <a:solidFill>
+                  <a:schemeClr val="tx1"/>
+                </a:solidFill>
+                <a:latin typeface="+mn-lt"/>
+                <a:ea typeface="+mn-ea"/>
+                <a:cs typeface="+mn-cs"/>
+              </a:defRPr>
+            </a:lvl6pPr>
+            <a:lvl7pPr marL="2743200" indent="0" algn="ctr" defTabSz="914400" rtl="0" eaLnBrk="1" latinLnBrk="0" hangingPunct="1">
+              <a:lnSpc>
+                <a:spcPct val="90000"/>
+              </a:lnSpc>
+              <a:spcBef>
+                <a:spcPts val="500"/>
+              </a:spcBef>
+              <a:buFont typeface="Arial" panose="020B0604020202020204" pitchFamily="34" charset="0"/>
+              <a:buNone/>
+              <a:defRPr sz="1600" kern="1200">
+                <a:solidFill>
+                  <a:schemeClr val="tx1"/>
+                </a:solidFill>
+                <a:latin typeface="+mn-lt"/>
+                <a:ea typeface="+mn-ea"/>
+                <a:cs typeface="+mn-cs"/>
+              </a:defRPr>
+            </a:lvl7pPr>
+            <a:lvl8pPr marL="3200400" indent="0" algn="ctr" defTabSz="914400" rtl="0" eaLnBrk="1" latinLnBrk="0" hangingPunct="1">
+              <a:lnSpc>
+                <a:spcPct val="90000"/>
+              </a:lnSpc>
+              <a:spcBef>
+                <a:spcPts val="500"/>
+              </a:spcBef>
+              <a:buFont typeface="Arial" panose="020B0604020202020204" pitchFamily="34" charset="0"/>
+              <a:buNone/>
+              <a:defRPr sz="1600" kern="1200">
+                <a:solidFill>
+                  <a:schemeClr val="tx1"/>
+                </a:solidFill>
+                <a:latin typeface="+mn-lt"/>
+                <a:ea typeface="+mn-ea"/>
+                <a:cs typeface="+mn-cs"/>
+              </a:defRPr>
+            </a:lvl8pPr>
+            <a:lvl9pPr marL="3657600" indent="0" algn="ctr" defTabSz="914400" rtl="0" eaLnBrk="1" latinLnBrk="0" hangingPunct="1">
+              <a:lnSpc>
+                <a:spcPct val="90000"/>
+              </a:lnSpc>
+              <a:spcBef>
+                <a:spcPts val="500"/>
+              </a:spcBef>
+              <a:buFont typeface="Arial" panose="020B0604020202020204" pitchFamily="34" charset="0"/>
+              <a:buNone/>
+              <a:defRPr sz="1600" kern="1200">
+                <a:solidFill>
+                  <a:schemeClr val="tx1"/>
+                </a:solidFill>
+                <a:latin typeface="+mn-lt"/>
+                <a:ea typeface="+mn-ea"/>
+                <a:cs typeface="+mn-cs"/>
+              </a:defRPr>
+            </a:lvl9pPr>
+          </a:lstStyle>
+          <a:p>
+            <a:pPr algn="l"/>
+            <a:r>
+              <a:rPr lang="en-GB" altLang="en-US" sz="6400" b="1"/>
+              <a:t>Process Flow</a:t>
+            </a:r>
+            <a:endParaRPr lang="en-GB" altLang="en-US" sz="6400" b="1"/>
+          </a:p>
+          <a:p>
+            <a:pPr algn="l"/>
+            <a:r>
+              <a:rPr lang="en-GB" altLang="en-US" sz="4800" b="1"/>
+              <a:t>Archiecture diagram depicted in right side takes care of below process flow</a:t>
+            </a:r>
+            <a:endParaRPr lang="en-GB" altLang="en-US" sz="4800" b="1"/>
+          </a:p>
+          <a:p>
+            <a:pPr marL="342900" indent="-342900" algn="l">
+              <a:buFont typeface="+mj-lt"/>
+              <a:buAutoNum type="arabicParenR"/>
+            </a:pPr>
+            <a:r>
+              <a:rPr lang="en-GB" altLang="en-US" sz="5600"/>
+              <a:t>Customer submits check </a:t>
+            </a:r>
+            <a:endParaRPr lang="en-GB" altLang="en-US" sz="5600"/>
+          </a:p>
+          <a:p>
+            <a:pPr marL="342900" indent="-342900" algn="l">
+              <a:buFont typeface="+mj-lt"/>
+              <a:buAutoNum type="arabicParenR"/>
+            </a:pPr>
+            <a:r>
+              <a:rPr lang="en-GB" altLang="en-US" sz="5600"/>
+              <a:t>For offline check, scanner scans check and uploads check image to Azure blob</a:t>
+            </a:r>
+            <a:endParaRPr lang="en-GB" altLang="en-US" sz="5600"/>
+          </a:p>
+          <a:p>
+            <a:pPr marL="342900" indent="-342900" algn="l">
+              <a:buFont typeface="+mj-lt"/>
+              <a:buAutoNum type="arabicParenR"/>
+            </a:pPr>
+            <a:r>
+              <a:rPr lang="en-GB" altLang="en-US" sz="5600"/>
+              <a:t>Azure function triggers once new image is uploaded to Azure Blob</a:t>
+            </a:r>
+            <a:endParaRPr lang="en-GB" altLang="en-US" sz="5600"/>
+          </a:p>
+          <a:p>
+            <a:pPr marL="342900" indent="-342900" algn="l">
+              <a:buFont typeface="+mj-lt"/>
+              <a:buAutoNum type="arabicParenR"/>
+            </a:pPr>
+            <a:r>
+              <a:rPr lang="en-GB" altLang="en-US" sz="5600"/>
+              <a:t>Azure function calls OCR along with form recongonizer extracts signature,date, Pay or Bearer name,Account number, IFSC code,Amount </a:t>
+            </a:r>
+            <a:endParaRPr lang="en-GB" altLang="en-US" sz="5600"/>
+          </a:p>
+          <a:p>
+            <a:pPr marL="342900" indent="-342900" algn="l">
+              <a:buFont typeface="+mj-lt"/>
+              <a:buAutoNum type="arabicParenR"/>
+            </a:pPr>
+            <a:r>
+              <a:rPr lang="en-GB" altLang="en-US" sz="5600"/>
+              <a:t>Extracted data is stored in Process folder a temporary blob folder or a storage document db</a:t>
+            </a:r>
+            <a:endParaRPr lang="en-GB" altLang="en-US" sz="5600"/>
+          </a:p>
+          <a:p>
+            <a:pPr marL="342900" indent="-342900" algn="l">
+              <a:buFont typeface="+mj-lt"/>
+              <a:buAutoNum type="arabicParenR"/>
+            </a:pPr>
+            <a:r>
+              <a:rPr lang="en-GB" altLang="en-US" sz="5600"/>
+              <a:t>Same Azure function after getting  signature compares with speciment signature of customer and gives score to verify signature</a:t>
+            </a:r>
+            <a:endParaRPr lang="en-GB" altLang="en-US" sz="5600"/>
+          </a:p>
+          <a:p>
+            <a:pPr marL="342900" indent="-342900" algn="l">
+              <a:buFont typeface="+mj-lt"/>
+              <a:buAutoNum type="arabicParenR"/>
+            </a:pPr>
+            <a:r>
+              <a:rPr lang="en-GB" altLang="en-US" sz="5600"/>
+              <a:t>This result will be send to Fraud detection Azure function which analyse based on historic data for fraud</a:t>
+            </a:r>
+            <a:endParaRPr lang="en-GB" altLang="en-US" sz="5600"/>
+          </a:p>
+          <a:p>
+            <a:pPr marL="342900" indent="-342900" algn="l">
+              <a:buFont typeface="+mj-lt"/>
+              <a:buAutoNum type="arabicParenR"/>
+            </a:pPr>
+            <a:r>
+              <a:rPr lang="en-GB" altLang="en-US" sz="5600"/>
+              <a:t>Fraud detection alogirthm will be both rule based such as blocked account, money laundering, hawala fraud as well as </a:t>
+            </a:r>
+            <a:endParaRPr lang="en-GB" altLang="en-US" sz="5600"/>
+          </a:p>
+          <a:p>
+            <a:pPr marL="342900" indent="-342900" algn="l">
+              <a:buFont typeface="+mj-lt"/>
+              <a:buAutoNum type="arabicParenR"/>
+            </a:pPr>
+            <a:r>
+              <a:rPr lang="en-GB" altLang="en-US" sz="5600"/>
+              <a:t>AI based which will be bogus check </a:t>
+            </a:r>
+            <a:endParaRPr lang="en-GB" altLang="en-US" sz="5600"/>
+          </a:p>
+          <a:p>
+            <a:pPr marL="342900" indent="-342900" algn="l">
+              <a:buFont typeface="+mj-lt"/>
+              <a:buAutoNum type="arabicParenR"/>
+            </a:pPr>
+            <a:r>
+              <a:rPr lang="en-GB" altLang="en-US" sz="5600"/>
+              <a:t>Once signature verification and fraud detection checks are passed , processed data will be stored in Staging Datastore for further processing along with verification results</a:t>
+            </a:r>
+            <a:endParaRPr lang="en-GB" altLang="en-US" sz="5600"/>
+          </a:p>
+          <a:p>
+            <a:pPr marL="228600" indent="-228600" algn="l">
+              <a:buFont typeface="Arial" panose="020B0604020202020204" pitchFamily="34" charset="0"/>
+            </a:pPr>
+            <a:endParaRPr lang="en-GB" altLang="en-US" sz="4665"/>
+          </a:p>
+          <a:p>
+            <a:pPr algn="l">
+              <a:buFont typeface="Arial" panose="020B0604020202020204" pitchFamily="34" charset="0"/>
+            </a:pPr>
+            <a:endParaRPr lang="en-GB" altLang="en-US" sz="4665"/>
+          </a:p>
+        </p:txBody>
+      </p:sp>
     </p:spTree>
   </p:cSld>
   <p:clrMapOvr>

--- a/Automated check Processing.pptx
+++ b/Automated check Processing.pptx
@@ -7,7 +7,8 @@
   <p:sldIdLst>
     <p:sldId id="256" r:id="rId3"/>
     <p:sldId id="257" r:id="rId4"/>
-    <p:sldId id="259" r:id="rId5"/>
+    <p:sldId id="260" r:id="rId5"/>
+    <p:sldId id="259" r:id="rId6"/>
   </p:sldIdLst>
   <p:sldSz cx="12192000" cy="6858000"/>
   <p:notesSz cx="6858000" cy="9144000"/>
@@ -2958,7 +2959,9 @@
         </p:nvSpPr>
         <p:spPr/>
         <p:txBody>
-          <a:bodyPr/>
+          <a:bodyPr>
+            <a:normAutofit lnSpcReduction="20000"/>
+          </a:bodyPr>
           <a:lstStyle/>
           <a:p>
             <a:r>
@@ -2975,7 +2978,18 @@
             <a:endParaRPr lang="en-GB" altLang="en-US"/>
           </a:p>
           <a:p>
-            <a:endParaRPr lang="en-GB" altLang="en-US"/>
+            <a:r>
+              <a:rPr lang="en-US" altLang="en-GB"/>
+              <a:t>Jeevantham</a:t>
+            </a:r>
+            <a:endParaRPr lang="en-US" altLang="en-GB"/>
+          </a:p>
+          <a:p>
+            <a:r>
+              <a:rPr lang="en-US" altLang="en-GB"/>
+              <a:t>Palavi</a:t>
+            </a:r>
+            <a:endParaRPr lang="en-US" altLang="en-GB"/>
           </a:p>
         </p:txBody>
       </p:sp>
@@ -3137,8 +3151,8 @@
           </a:bodyPr>
           <a:p>
             <a:r>
-              <a:rPr lang="en-GB" altLang="en-US"/>
-              <a:t>The solution</a:t>
+              <a:rPr lang="en-US" altLang="en-GB"/>
+              <a:t>Process Flow diagram</a:t>
             </a:r>
             <a:endParaRPr lang="en-GB" altLang="en-US"/>
           </a:p>
@@ -3148,30 +3162,6 @@
           </a:p>
         </p:txBody>
       </p:sp>
-      <p:pic>
-        <p:nvPicPr>
-          <p:cNvPr id="4" name="Picture 3" descr="Automated Check Processing Archieture and flow"/>
-          <p:cNvPicPr>
-            <a:picLocks noChangeAspect="1"/>
-          </p:cNvPicPr>
-          <p:nvPr/>
-        </p:nvPicPr>
-        <p:blipFill>
-          <a:blip r:embed="rId1"/>
-          <a:stretch>
-            <a:fillRect/>
-          </a:stretch>
-        </p:blipFill>
-        <p:spPr>
-          <a:xfrm>
-            <a:off x="4618990" y="972185"/>
-            <a:ext cx="7385050" cy="4471670"/>
-          </a:xfrm>
-          <a:prstGeom prst="rect">
-            <a:avLst/>
-          </a:prstGeom>
-        </p:spPr>
-      </p:pic>
       <p:sp>
         <p:nvSpPr>
           <p:cNvPr id="8" name="Subtitle 2"/>
@@ -3368,8 +3358,12 @@
           <a:p>
             <a:pPr algn="l"/>
             <a:r>
+              <a:rPr lang="en-US" altLang="en-GB" sz="4800" b="1"/>
+              <a:t>Process Flow </a:t>
+            </a:r>
+            <a:r>
               <a:rPr lang="en-GB" altLang="en-US" sz="4800" b="1"/>
-              <a:t>Archiecture diagram depicted in right side takes care of below process flow</a:t>
+              <a:t>diagram depicted in right side takes care of below process flow</a:t>
             </a:r>
             <a:endParaRPr lang="en-GB" altLang="en-US" sz="4800" b="1"/>
           </a:p>
@@ -3497,6 +3491,109 @@
           </a:p>
         </p:txBody>
       </p:sp>
+      <p:pic>
+        <p:nvPicPr>
+          <p:cNvPr id="2" name="Picture 1" descr="Process flow"/>
+          <p:cNvPicPr>
+            <a:picLocks noChangeAspect="1"/>
+          </p:cNvPicPr>
+          <p:nvPr/>
+        </p:nvPicPr>
+        <p:blipFill>
+          <a:blip r:embed="rId1"/>
+          <a:stretch>
+            <a:fillRect/>
+          </a:stretch>
+        </p:blipFill>
+        <p:spPr>
+          <a:xfrm>
+            <a:off x="5153025" y="922655"/>
+            <a:ext cx="5876290" cy="5761355"/>
+          </a:xfrm>
+          <a:prstGeom prst="rect">
+            <a:avLst/>
+          </a:prstGeom>
+        </p:spPr>
+      </p:pic>
+    </p:spTree>
+  </p:cSld>
+  <p:clrMapOvr>
+    <a:masterClrMapping/>
+  </p:clrMapOvr>
+</p:sld>
+</file>
+
+<file path=ppt/slides/slide4.xml><?xml version="1.0" encoding="utf-8"?>
+<p:sld xmlns:a="http://schemas.openxmlformats.org/drawingml/2006/main" xmlns:r="http://schemas.openxmlformats.org/officeDocument/2006/relationships" xmlns:p="http://schemas.openxmlformats.org/presentationml/2006/main">
+  <p:cSld>
+    <p:spTree>
+      <p:nvGrpSpPr>
+        <p:cNvPr id="1" name=""/>
+        <p:cNvGrpSpPr/>
+        <p:nvPr/>
+      </p:nvGrpSpPr>
+      <p:grpSpPr/>
+      <p:sp>
+        <p:nvSpPr>
+          <p:cNvPr id="3" name="Subtitle 2"/>
+          <p:cNvSpPr>
+            <a:spLocks noGrp="1"/>
+          </p:cNvSpPr>
+          <p:nvPr>
+            <p:ph type="subTitle" idx="1"/>
+          </p:nvPr>
+        </p:nvSpPr>
+        <p:spPr>
+          <a:xfrm>
+            <a:off x="168910" y="215265"/>
+            <a:ext cx="11854180" cy="5887720"/>
+          </a:xfrm>
+        </p:spPr>
+        <p:txBody>
+          <a:bodyPr>
+            <a:normAutofit/>
+          </a:bodyPr>
+          <a:p>
+            <a:r>
+              <a:rPr lang="en-GB" altLang="en-US"/>
+              <a:t>The solution</a:t>
+            </a:r>
+            <a:r>
+              <a:rPr lang="en-US" altLang="en-GB"/>
+              <a:t> and archeiture</a:t>
+            </a:r>
+            <a:endParaRPr lang="en-GB" altLang="en-US"/>
+          </a:p>
+          <a:p>
+            <a:pPr algn="l"/>
+            <a:endParaRPr lang="en-US" altLang="en-GB"/>
+          </a:p>
+        </p:txBody>
+      </p:sp>
+      <p:pic>
+        <p:nvPicPr>
+          <p:cNvPr id="2" name="Picture 1" descr="Automated-Check"/>
+          <p:cNvPicPr>
+            <a:picLocks noChangeAspect="1"/>
+          </p:cNvPicPr>
+          <p:nvPr/>
+        </p:nvPicPr>
+        <p:blipFill>
+          <a:blip r:embed="rId1"/>
+          <a:stretch>
+            <a:fillRect/>
+          </a:stretch>
+        </p:blipFill>
+        <p:spPr>
+          <a:xfrm>
+            <a:off x="1737995" y="681355"/>
+            <a:ext cx="7748270" cy="5932170"/>
+          </a:xfrm>
+          <a:prstGeom prst="rect">
+            <a:avLst/>
+          </a:prstGeom>
+        </p:spPr>
+      </p:pic>
     </p:spTree>
   </p:cSld>
   <p:clrMapOvr>
